--- a/파이썬기초(PPT)/파이썬 기초 5강_조건문.pptx
+++ b/파이썬기초(PPT)/파이썬 기초 5강_조건문.pptx
@@ -321,7 +321,7 @@
           <a:p>
             <a:fld id="{FB30EDBD-1C2D-4C1E-B459-B60219FAB484}" type="datetimeFigureOut">
               <a:rPr lang="ko-KR" altLang="en-US" smtClean="0"/>
-              <a:t>2020-11-19</a:t>
+              <a:t>2020-11-22</a:t>
             </a:fld>
             <a:endParaRPr lang="ko-KR" altLang="en-US"/>
           </a:p>
@@ -484,7 +484,7 @@
           <a:p>
             <a:fld id="{FB30EDBD-1C2D-4C1E-B459-B60219FAB484}" type="datetimeFigureOut">
               <a:rPr lang="ko-KR" altLang="en-US" smtClean="0"/>
-              <a:t>2020-11-19</a:t>
+              <a:t>2020-11-22</a:t>
             </a:fld>
             <a:endParaRPr lang="ko-KR" altLang="en-US"/>
           </a:p>
@@ -657,7 +657,7 @@
           <a:p>
             <a:fld id="{FB30EDBD-1C2D-4C1E-B459-B60219FAB484}" type="datetimeFigureOut">
               <a:rPr lang="ko-KR" altLang="en-US" smtClean="0"/>
-              <a:t>2020-11-19</a:t>
+              <a:t>2020-11-22</a:t>
             </a:fld>
             <a:endParaRPr lang="ko-KR" altLang="en-US"/>
           </a:p>
@@ -820,7 +820,7 @@
           <a:p>
             <a:fld id="{FB30EDBD-1C2D-4C1E-B459-B60219FAB484}" type="datetimeFigureOut">
               <a:rPr lang="ko-KR" altLang="en-US" smtClean="0"/>
-              <a:t>2020-11-19</a:t>
+              <a:t>2020-11-22</a:t>
             </a:fld>
             <a:endParaRPr lang="ko-KR" altLang="en-US"/>
           </a:p>
@@ -1060,7 +1060,7 @@
           <a:p>
             <a:fld id="{FB30EDBD-1C2D-4C1E-B459-B60219FAB484}" type="datetimeFigureOut">
               <a:rPr lang="ko-KR" altLang="en-US" smtClean="0"/>
-              <a:t>2020-11-19</a:t>
+              <a:t>2020-11-22</a:t>
             </a:fld>
             <a:endParaRPr lang="ko-KR" altLang="en-US"/>
           </a:p>
@@ -1340,7 +1340,7 @@
           <a:p>
             <a:fld id="{FB30EDBD-1C2D-4C1E-B459-B60219FAB484}" type="datetimeFigureOut">
               <a:rPr lang="ko-KR" altLang="en-US" smtClean="0"/>
-              <a:t>2020-11-19</a:t>
+              <a:t>2020-11-22</a:t>
             </a:fld>
             <a:endParaRPr lang="ko-KR" altLang="en-US"/>
           </a:p>
@@ -1754,7 +1754,7 @@
           <a:p>
             <a:fld id="{FB30EDBD-1C2D-4C1E-B459-B60219FAB484}" type="datetimeFigureOut">
               <a:rPr lang="ko-KR" altLang="en-US" smtClean="0"/>
-              <a:t>2020-11-19</a:t>
+              <a:t>2020-11-22</a:t>
             </a:fld>
             <a:endParaRPr lang="ko-KR" altLang="en-US"/>
           </a:p>
@@ -1866,7 +1866,7 @@
           <a:p>
             <a:fld id="{FB30EDBD-1C2D-4C1E-B459-B60219FAB484}" type="datetimeFigureOut">
               <a:rPr lang="ko-KR" altLang="en-US" smtClean="0"/>
-              <a:t>2020-11-19</a:t>
+              <a:t>2020-11-22</a:t>
             </a:fld>
             <a:endParaRPr lang="ko-KR" altLang="en-US"/>
           </a:p>
@@ -1956,7 +1956,7 @@
           <a:p>
             <a:fld id="{FB30EDBD-1C2D-4C1E-B459-B60219FAB484}" type="datetimeFigureOut">
               <a:rPr lang="ko-KR" altLang="en-US" smtClean="0"/>
-              <a:t>2020-11-19</a:t>
+              <a:t>2020-11-22</a:t>
             </a:fld>
             <a:endParaRPr lang="ko-KR" altLang="en-US"/>
           </a:p>
@@ -2226,7 +2226,7 @@
           <a:p>
             <a:fld id="{FB30EDBD-1C2D-4C1E-B459-B60219FAB484}" type="datetimeFigureOut">
               <a:rPr lang="ko-KR" altLang="en-US" smtClean="0"/>
-              <a:t>2020-11-19</a:t>
+              <a:t>2020-11-22</a:t>
             </a:fld>
             <a:endParaRPr lang="ko-KR" altLang="en-US"/>
           </a:p>
@@ -2473,7 +2473,7 @@
           <a:p>
             <a:fld id="{FB30EDBD-1C2D-4C1E-B459-B60219FAB484}" type="datetimeFigureOut">
               <a:rPr lang="ko-KR" altLang="en-US" smtClean="0"/>
-              <a:t>2020-11-19</a:t>
+              <a:t>2020-11-22</a:t>
             </a:fld>
             <a:endParaRPr lang="ko-KR" altLang="en-US"/>
           </a:p>
@@ -2679,7 +2679,7 @@
           <a:p>
             <a:fld id="{FB30EDBD-1C2D-4C1E-B459-B60219FAB484}" type="datetimeFigureOut">
               <a:rPr lang="ko-KR" altLang="en-US" smtClean="0"/>
-              <a:t>2020-11-19</a:t>
+              <a:t>2020-11-22</a:t>
             </a:fld>
             <a:endParaRPr lang="ko-KR" altLang="en-US"/>
           </a:p>
@@ -8069,7 +8069,7 @@
         <p:spPr>
           <a:xfrm>
             <a:off x="791580" y="1052736"/>
-            <a:ext cx="7560840" cy="2800767"/>
+            <a:ext cx="7560840" cy="3539430"/>
           </a:xfrm>
           <a:prstGeom prst="rect">
             <a:avLst/>
@@ -8470,12 +8470,132 @@
               </a:rPr>
               <a:t>0</a:t>
             </a:r>
+          </a:p>
+          <a:p>
             <a:endParaRPr lang="en-US" altLang="ko-KR" sz="1600" dirty="0">
               <a:solidFill>
                 <a:srgbClr val="D4D4D4"/>
               </a:solidFill>
               <a:latin typeface="Consolas" panose="020B0609020204030204" pitchFamily="49" charset="0"/>
             </a:endParaRPr>
+          </a:p>
+          <a:p>
+            <a:r>
+              <a:rPr lang="en-US" altLang="ko-KR" sz="1600" dirty="0">
+                <a:solidFill>
+                  <a:srgbClr val="D4D4D4"/>
+                </a:solidFill>
+                <a:latin typeface="Consolas" panose="020B0609020204030204" pitchFamily="49" charset="0"/>
+              </a:rPr>
+              <a:t>message = </a:t>
+            </a:r>
+            <a:r>
+              <a:rPr lang="en-US" altLang="ko-KR" sz="1600" dirty="0">
+                <a:solidFill>
+                  <a:srgbClr val="569CD6"/>
+                </a:solidFill>
+                <a:latin typeface="Consolas" panose="020B0609020204030204" pitchFamily="49" charset="0"/>
+              </a:rPr>
+              <a:t>f</a:t>
+            </a:r>
+            <a:r>
+              <a:rPr lang="en-US" altLang="ko-KR" sz="1600" dirty="0">
+                <a:solidFill>
+                  <a:srgbClr val="CE9178"/>
+                </a:solidFill>
+                <a:latin typeface="Consolas" panose="020B0609020204030204" pitchFamily="49" charset="0"/>
+              </a:rPr>
+              <a:t>'</a:t>
+            </a:r>
+            <a:r>
+              <a:rPr lang="ko-KR" altLang="en-US" sz="1600" dirty="0">
+                <a:solidFill>
+                  <a:srgbClr val="CE9178"/>
+                </a:solidFill>
+                <a:latin typeface="Consolas" panose="020B0609020204030204" pitchFamily="49" charset="0"/>
+              </a:rPr>
+              <a:t>선택한 음식의 칼로리는 </a:t>
+            </a:r>
+            <a:r>
+              <a:rPr lang="en-US" altLang="ko-KR" sz="1600" dirty="0">
+                <a:solidFill>
+                  <a:srgbClr val="569CD6"/>
+                </a:solidFill>
+                <a:latin typeface="Consolas" panose="020B0609020204030204" pitchFamily="49" charset="0"/>
+              </a:rPr>
+              <a:t>{</a:t>
+            </a:r>
+            <a:r>
+              <a:rPr lang="en-US" altLang="ko-KR" sz="1600" dirty="0">
+                <a:solidFill>
+                  <a:srgbClr val="D4D4D4"/>
+                </a:solidFill>
+                <a:latin typeface="Consolas" panose="020B0609020204030204" pitchFamily="49" charset="0"/>
+              </a:rPr>
+              <a:t>calory</a:t>
+            </a:r>
+            <a:r>
+              <a:rPr lang="en-US" altLang="ko-KR" sz="1600" dirty="0">
+                <a:solidFill>
+                  <a:srgbClr val="569CD6"/>
+                </a:solidFill>
+                <a:latin typeface="Consolas" panose="020B0609020204030204" pitchFamily="49" charset="0"/>
+              </a:rPr>
+              <a:t>}</a:t>
+            </a:r>
+            <a:r>
+              <a:rPr lang="en-US" altLang="ko-KR" sz="1600" dirty="0">
+                <a:solidFill>
+                  <a:srgbClr val="CE9178"/>
+                </a:solidFill>
+                <a:latin typeface="Consolas" panose="020B0609020204030204" pitchFamily="49" charset="0"/>
+              </a:rPr>
+              <a:t>kcal </a:t>
+            </a:r>
+            <a:r>
+              <a:rPr lang="ko-KR" altLang="en-US" sz="1600" dirty="0">
+                <a:solidFill>
+                  <a:srgbClr val="CE9178"/>
+                </a:solidFill>
+                <a:latin typeface="Consolas" panose="020B0609020204030204" pitchFamily="49" charset="0"/>
+              </a:rPr>
+              <a:t>입니다</a:t>
+            </a:r>
+            <a:r>
+              <a:rPr lang="en-US" altLang="ko-KR" sz="1600" dirty="0">
+                <a:solidFill>
+                  <a:srgbClr val="CE9178"/>
+                </a:solidFill>
+                <a:latin typeface="Consolas" panose="020B0609020204030204" pitchFamily="49" charset="0"/>
+              </a:rPr>
+              <a:t>.'</a:t>
+            </a:r>
+            <a:endParaRPr lang="ko-KR" altLang="en-US" sz="1600" dirty="0">
+              <a:solidFill>
+                <a:srgbClr val="D4D4D4"/>
+              </a:solidFill>
+              <a:latin typeface="Consolas" panose="020B0609020204030204" pitchFamily="49" charset="0"/>
+            </a:endParaRPr>
+          </a:p>
+          <a:p>
+            <a:r>
+              <a:rPr lang="en-US" altLang="ko-KR" sz="1600" dirty="0">
+                <a:solidFill>
+                  <a:srgbClr val="DCDCAA"/>
+                </a:solidFill>
+                <a:latin typeface="Consolas" panose="020B0609020204030204" pitchFamily="49" charset="0"/>
+              </a:rPr>
+              <a:t>print</a:t>
+            </a:r>
+            <a:r>
+              <a:rPr lang="en-US" altLang="ko-KR" sz="1600" dirty="0">
+                <a:solidFill>
+                  <a:srgbClr val="D4D4D4"/>
+                </a:solidFill>
+                <a:latin typeface="Consolas" panose="020B0609020204030204" pitchFamily="49" charset="0"/>
+              </a:rPr>
+              <a:t>(message)</a:t>
+            </a:r>
           </a:p>
         </p:txBody>
       </p:sp>
@@ -8783,7 +8903,7 @@
         </p:spPr>
         <p:txBody>
           <a:bodyPr vert="horz" lIns="91440" tIns="45720" rIns="91440" bIns="45720" rtlCol="0" anchor="ctr">
-            <a:normAutofit fontScale="62500" lnSpcReduction="20000"/>
+            <a:normAutofit fontScale="55000" lnSpcReduction="20000"/>
           </a:bodyPr>
           <a:lstStyle>
             <a:lvl1pPr algn="ctr" defTabSz="914400" rtl="0" eaLnBrk="1" latinLnBrk="1" hangingPunct="1">

--- a/파이썬기초(PPT)/파이썬 기초 5강_조건문.pptx
+++ b/파이썬기초(PPT)/파이썬 기초 5강_조건문.pptx
@@ -321,7 +321,7 @@
           <a:p>
             <a:fld id="{FB30EDBD-1C2D-4C1E-B459-B60219FAB484}" type="datetimeFigureOut">
               <a:rPr lang="ko-KR" altLang="en-US" smtClean="0"/>
-              <a:t>2020-11-22</a:t>
+              <a:t>2020-12-09</a:t>
             </a:fld>
             <a:endParaRPr lang="ko-KR" altLang="en-US"/>
           </a:p>
@@ -484,7 +484,7 @@
           <a:p>
             <a:fld id="{FB30EDBD-1C2D-4C1E-B459-B60219FAB484}" type="datetimeFigureOut">
               <a:rPr lang="ko-KR" altLang="en-US" smtClean="0"/>
-              <a:t>2020-11-22</a:t>
+              <a:t>2020-12-09</a:t>
             </a:fld>
             <a:endParaRPr lang="ko-KR" altLang="en-US"/>
           </a:p>
@@ -657,7 +657,7 @@
           <a:p>
             <a:fld id="{FB30EDBD-1C2D-4C1E-B459-B60219FAB484}" type="datetimeFigureOut">
               <a:rPr lang="ko-KR" altLang="en-US" smtClean="0"/>
-              <a:t>2020-11-22</a:t>
+              <a:t>2020-12-09</a:t>
             </a:fld>
             <a:endParaRPr lang="ko-KR" altLang="en-US"/>
           </a:p>
@@ -820,7 +820,7 @@
           <a:p>
             <a:fld id="{FB30EDBD-1C2D-4C1E-B459-B60219FAB484}" type="datetimeFigureOut">
               <a:rPr lang="ko-KR" altLang="en-US" smtClean="0"/>
-              <a:t>2020-11-22</a:t>
+              <a:t>2020-12-09</a:t>
             </a:fld>
             <a:endParaRPr lang="ko-KR" altLang="en-US"/>
           </a:p>
@@ -1060,7 +1060,7 @@
           <a:p>
             <a:fld id="{FB30EDBD-1C2D-4C1E-B459-B60219FAB484}" type="datetimeFigureOut">
               <a:rPr lang="ko-KR" altLang="en-US" smtClean="0"/>
-              <a:t>2020-11-22</a:t>
+              <a:t>2020-12-09</a:t>
             </a:fld>
             <a:endParaRPr lang="ko-KR" altLang="en-US"/>
           </a:p>
@@ -1340,7 +1340,7 @@
           <a:p>
             <a:fld id="{FB30EDBD-1C2D-4C1E-B459-B60219FAB484}" type="datetimeFigureOut">
               <a:rPr lang="ko-KR" altLang="en-US" smtClean="0"/>
-              <a:t>2020-11-22</a:t>
+              <a:t>2020-12-09</a:t>
             </a:fld>
             <a:endParaRPr lang="ko-KR" altLang="en-US"/>
           </a:p>
@@ -1754,7 +1754,7 @@
           <a:p>
             <a:fld id="{FB30EDBD-1C2D-4C1E-B459-B60219FAB484}" type="datetimeFigureOut">
               <a:rPr lang="ko-KR" altLang="en-US" smtClean="0"/>
-              <a:t>2020-11-22</a:t>
+              <a:t>2020-12-09</a:t>
             </a:fld>
             <a:endParaRPr lang="ko-KR" altLang="en-US"/>
           </a:p>
@@ -1866,7 +1866,7 @@
           <a:p>
             <a:fld id="{FB30EDBD-1C2D-4C1E-B459-B60219FAB484}" type="datetimeFigureOut">
               <a:rPr lang="ko-KR" altLang="en-US" smtClean="0"/>
-              <a:t>2020-11-22</a:t>
+              <a:t>2020-12-09</a:t>
             </a:fld>
             <a:endParaRPr lang="ko-KR" altLang="en-US"/>
           </a:p>
@@ -1956,7 +1956,7 @@
           <a:p>
             <a:fld id="{FB30EDBD-1C2D-4C1E-B459-B60219FAB484}" type="datetimeFigureOut">
               <a:rPr lang="ko-KR" altLang="en-US" smtClean="0"/>
-              <a:t>2020-11-22</a:t>
+              <a:t>2020-12-09</a:t>
             </a:fld>
             <a:endParaRPr lang="ko-KR" altLang="en-US"/>
           </a:p>
@@ -2226,7 +2226,7 @@
           <a:p>
             <a:fld id="{FB30EDBD-1C2D-4C1E-B459-B60219FAB484}" type="datetimeFigureOut">
               <a:rPr lang="ko-KR" altLang="en-US" smtClean="0"/>
-              <a:t>2020-11-22</a:t>
+              <a:t>2020-12-09</a:t>
             </a:fld>
             <a:endParaRPr lang="ko-KR" altLang="en-US"/>
           </a:p>
@@ -2473,7 +2473,7 @@
           <a:p>
             <a:fld id="{FB30EDBD-1C2D-4C1E-B459-B60219FAB484}" type="datetimeFigureOut">
               <a:rPr lang="ko-KR" altLang="en-US" smtClean="0"/>
-              <a:t>2020-11-22</a:t>
+              <a:t>2020-12-09</a:t>
             </a:fld>
             <a:endParaRPr lang="ko-KR" altLang="en-US"/>
           </a:p>
@@ -2679,7 +2679,7 @@
           <a:p>
             <a:fld id="{FB30EDBD-1C2D-4C1E-B459-B60219FAB484}" type="datetimeFigureOut">
               <a:rPr lang="ko-KR" altLang="en-US" smtClean="0"/>
-              <a:t>2020-11-22</a:t>
+              <a:t>2020-12-09</a:t>
             </a:fld>
             <a:endParaRPr lang="ko-KR" altLang="en-US"/>
           </a:p>
@@ -3103,24 +3103,24 @@
               </a:rPr>
             </a:br>
             <a:r>
-              <a:rPr lang="en-US" altLang="ko-KR" dirty="0">
+              <a:rPr lang="ko-KR" altLang="en-US" dirty="0">
                 <a:solidFill>
                   <a:schemeClr val="bg1"/>
                 </a:solidFill>
                 <a:latin typeface="배달의민족 주아" pitchFamily="18" charset="-127"/>
                 <a:ea typeface="배달의민족 주아" pitchFamily="18" charset="-127"/>
               </a:rPr>
-              <a:t>     </a:t>
-            </a:r>
-            <a:r>
-              <a:rPr lang="ko-KR" altLang="en-US" dirty="0" err="1">
+              <a:t>핵심만 쏘</a:t>
+            </a:r>
+            <a:r>
+              <a:rPr lang="en-US" altLang="ko-KR" dirty="0">
                 <a:solidFill>
                   <a:schemeClr val="bg1"/>
                 </a:solidFill>
                 <a:latin typeface="배달의민족 주아" pitchFamily="18" charset="-127"/>
                 <a:ea typeface="배달의민족 주아" pitchFamily="18" charset="-127"/>
               </a:rPr>
-              <a:t>스타트코딩</a:t>
+              <a:t>~</a:t>
             </a:r>
             <a:r>
               <a:rPr lang="ko-KR" altLang="en-US" dirty="0">
@@ -3130,18 +3130,17 @@
                 <a:latin typeface="배달의민족 주아" pitchFamily="18" charset="-127"/>
                 <a:ea typeface="배달의민족 주아" pitchFamily="18" charset="-127"/>
               </a:rPr>
-              <a:t> </a:t>
-            </a:r>
-            <a:r>
-              <a:rPr lang="ko-KR" altLang="en-US" dirty="0" err="1">
+              <a:t>옥</a:t>
+            </a:r>
+            <a:br>
+              <a:rPr lang="en-US" altLang="ko-KR" dirty="0">
                 <a:solidFill>
                   <a:schemeClr val="bg1"/>
                 </a:solidFill>
                 <a:latin typeface="배달의민족 주아" pitchFamily="18" charset="-127"/>
                 <a:ea typeface="배달의민족 주아" pitchFamily="18" charset="-127"/>
               </a:rPr>
-              <a:t>파이썬</a:t>
-            </a:r>
+            </a:br>
             <a:r>
               <a:rPr lang="ko-KR" altLang="en-US" dirty="0">
                 <a:solidFill>
@@ -3150,7 +3149,7 @@
                 <a:latin typeface="배달의민족 주아" pitchFamily="18" charset="-127"/>
                 <a:ea typeface="배달의민족 주아" pitchFamily="18" charset="-127"/>
               </a:rPr>
-              <a:t> 입문 </a:t>
+              <a:t>파이썬 입문 </a:t>
             </a:r>
             <a:r>
               <a:rPr lang="en-US" altLang="ko-KR" dirty="0">
@@ -3160,10 +3159,10 @@
                 <a:latin typeface="배달의민족 주아" pitchFamily="18" charset="-127"/>
                 <a:ea typeface="배달의민족 주아" pitchFamily="18" charset="-127"/>
               </a:rPr>
-              <a:t>4</a:t>
-            </a:r>
-            <a:r>
-              <a:rPr lang="ko-KR" altLang="en-US" dirty="0">
+              <a:t>5</a:t>
+            </a:r>
+            <a:r>
+              <a:rPr lang="ko-KR" altLang="en-US">
                 <a:solidFill>
                   <a:schemeClr val="bg1"/>
                 </a:solidFill>
@@ -3224,7 +3223,7 @@
         </p:blipFill>
         <p:spPr bwMode="auto">
           <a:xfrm>
-            <a:off x="1403648" y="2564904"/>
+            <a:off x="2267744" y="2348880"/>
             <a:ext cx="864096" cy="864096"/>
           </a:xfrm>
           <a:prstGeom prst="rect">
@@ -8903,7 +8902,7 @@
         </p:spPr>
         <p:txBody>
           <a:bodyPr vert="horz" lIns="91440" tIns="45720" rIns="91440" bIns="45720" rtlCol="0" anchor="ctr">
-            <a:normAutofit fontScale="55000" lnSpcReduction="20000"/>
+            <a:normAutofit fontScale="62500" lnSpcReduction="20000"/>
           </a:bodyPr>
           <a:lstStyle>
             <a:lvl1pPr algn="ctr" defTabSz="914400" rtl="0" eaLnBrk="1" latinLnBrk="1" hangingPunct="1">

--- a/파이썬기초(PPT)/파이썬 기초 5강_조건문.pptx
+++ b/파이썬기초(PPT)/파이썬 기초 5강_조건문.pptx
@@ -321,7 +321,7 @@
           <a:p>
             <a:fld id="{FB30EDBD-1C2D-4C1E-B459-B60219FAB484}" type="datetimeFigureOut">
               <a:rPr lang="ko-KR" altLang="en-US" smtClean="0"/>
-              <a:t>2020-12-09</a:t>
+              <a:t>2021-01-29</a:t>
             </a:fld>
             <a:endParaRPr lang="ko-KR" altLang="en-US"/>
           </a:p>
@@ -484,7 +484,7 @@
           <a:p>
             <a:fld id="{FB30EDBD-1C2D-4C1E-B459-B60219FAB484}" type="datetimeFigureOut">
               <a:rPr lang="ko-KR" altLang="en-US" smtClean="0"/>
-              <a:t>2020-12-09</a:t>
+              <a:t>2021-01-29</a:t>
             </a:fld>
             <a:endParaRPr lang="ko-KR" altLang="en-US"/>
           </a:p>
@@ -657,7 +657,7 @@
           <a:p>
             <a:fld id="{FB30EDBD-1C2D-4C1E-B459-B60219FAB484}" type="datetimeFigureOut">
               <a:rPr lang="ko-KR" altLang="en-US" smtClean="0"/>
-              <a:t>2020-12-09</a:t>
+              <a:t>2021-01-29</a:t>
             </a:fld>
             <a:endParaRPr lang="ko-KR" altLang="en-US"/>
           </a:p>
@@ -820,7 +820,7 @@
           <a:p>
             <a:fld id="{FB30EDBD-1C2D-4C1E-B459-B60219FAB484}" type="datetimeFigureOut">
               <a:rPr lang="ko-KR" altLang="en-US" smtClean="0"/>
-              <a:t>2020-12-09</a:t>
+              <a:t>2021-01-29</a:t>
             </a:fld>
             <a:endParaRPr lang="ko-KR" altLang="en-US"/>
           </a:p>
@@ -1060,7 +1060,7 @@
           <a:p>
             <a:fld id="{FB30EDBD-1C2D-4C1E-B459-B60219FAB484}" type="datetimeFigureOut">
               <a:rPr lang="ko-KR" altLang="en-US" smtClean="0"/>
-              <a:t>2020-12-09</a:t>
+              <a:t>2021-01-29</a:t>
             </a:fld>
             <a:endParaRPr lang="ko-KR" altLang="en-US"/>
           </a:p>
@@ -1340,7 +1340,7 @@
           <a:p>
             <a:fld id="{FB30EDBD-1C2D-4C1E-B459-B60219FAB484}" type="datetimeFigureOut">
               <a:rPr lang="ko-KR" altLang="en-US" smtClean="0"/>
-              <a:t>2020-12-09</a:t>
+              <a:t>2021-01-29</a:t>
             </a:fld>
             <a:endParaRPr lang="ko-KR" altLang="en-US"/>
           </a:p>
@@ -1754,7 +1754,7 @@
           <a:p>
             <a:fld id="{FB30EDBD-1C2D-4C1E-B459-B60219FAB484}" type="datetimeFigureOut">
               <a:rPr lang="ko-KR" altLang="en-US" smtClean="0"/>
-              <a:t>2020-12-09</a:t>
+              <a:t>2021-01-29</a:t>
             </a:fld>
             <a:endParaRPr lang="ko-KR" altLang="en-US"/>
           </a:p>
@@ -1866,7 +1866,7 @@
           <a:p>
             <a:fld id="{FB30EDBD-1C2D-4C1E-B459-B60219FAB484}" type="datetimeFigureOut">
               <a:rPr lang="ko-KR" altLang="en-US" smtClean="0"/>
-              <a:t>2020-12-09</a:t>
+              <a:t>2021-01-29</a:t>
             </a:fld>
             <a:endParaRPr lang="ko-KR" altLang="en-US"/>
           </a:p>
@@ -1956,7 +1956,7 @@
           <a:p>
             <a:fld id="{FB30EDBD-1C2D-4C1E-B459-B60219FAB484}" type="datetimeFigureOut">
               <a:rPr lang="ko-KR" altLang="en-US" smtClean="0"/>
-              <a:t>2020-12-09</a:t>
+              <a:t>2021-01-29</a:t>
             </a:fld>
             <a:endParaRPr lang="ko-KR" altLang="en-US"/>
           </a:p>
@@ -2226,7 +2226,7 @@
           <a:p>
             <a:fld id="{FB30EDBD-1C2D-4C1E-B459-B60219FAB484}" type="datetimeFigureOut">
               <a:rPr lang="ko-KR" altLang="en-US" smtClean="0"/>
-              <a:t>2020-12-09</a:t>
+              <a:t>2021-01-29</a:t>
             </a:fld>
             <a:endParaRPr lang="ko-KR" altLang="en-US"/>
           </a:p>
@@ -2473,7 +2473,7 @@
           <a:p>
             <a:fld id="{FB30EDBD-1C2D-4C1E-B459-B60219FAB484}" type="datetimeFigureOut">
               <a:rPr lang="ko-KR" altLang="en-US" smtClean="0"/>
-              <a:t>2020-12-09</a:t>
+              <a:t>2021-01-29</a:t>
             </a:fld>
             <a:endParaRPr lang="ko-KR" altLang="en-US"/>
           </a:p>
@@ -2679,7 +2679,7 @@
           <a:p>
             <a:fld id="{FB30EDBD-1C2D-4C1E-B459-B60219FAB484}" type="datetimeFigureOut">
               <a:rPr lang="ko-KR" altLang="en-US" smtClean="0"/>
-              <a:t>2020-12-09</a:t>
+              <a:t>2021-01-29</a:t>
             </a:fld>
             <a:endParaRPr lang="ko-KR" altLang="en-US"/>
           </a:p>
@@ -8902,7 +8902,7 @@
         </p:spPr>
         <p:txBody>
           <a:bodyPr vert="horz" lIns="91440" tIns="45720" rIns="91440" bIns="45720" rtlCol="0" anchor="ctr">
-            <a:normAutofit fontScale="62500" lnSpcReduction="20000"/>
+            <a:normAutofit fontScale="55000" lnSpcReduction="20000"/>
           </a:bodyPr>
           <a:lstStyle>
             <a:lvl1pPr algn="ctr" defTabSz="914400" rtl="0" eaLnBrk="1" latinLnBrk="1" hangingPunct="1">
@@ -8927,7 +8927,26 @@
                 <a:latin typeface="나눔고딕" panose="020D0604000000000000" pitchFamily="50" charset="-127"/>
                 <a:ea typeface="나눔고딕" panose="020D0604000000000000" pitchFamily="50" charset="-127"/>
               </a:rPr>
-              <a:t>사용자로부터 삼성전자의 현재가격을 입력 받는다</a:t>
+              <a:t>사용자로부터 삼성전자의 </a:t>
+            </a:r>
+            <a:r>
+              <a:rPr lang="ko-KR" altLang="en-US" sz="3600" dirty="0">
+                <a:solidFill>
+                  <a:schemeClr val="accent6">
+                    <a:lumMod val="75000"/>
+                  </a:schemeClr>
+                </a:solidFill>
+                <a:latin typeface="나눔고딕" panose="020D0604000000000000" pitchFamily="50" charset="-127"/>
+                <a:ea typeface="나눔고딕" panose="020D0604000000000000" pitchFamily="50" charset="-127"/>
+              </a:rPr>
+              <a:t>현재가격</a:t>
+            </a:r>
+            <a:r>
+              <a:rPr lang="ko-KR" altLang="en-US" sz="3600" dirty="0">
+                <a:latin typeface="나눔고딕" panose="020D0604000000000000" pitchFamily="50" charset="-127"/>
+                <a:ea typeface="나눔고딕" panose="020D0604000000000000" pitchFamily="50" charset="-127"/>
+              </a:rPr>
+              <a:t>을 입력 받는다</a:t>
             </a:r>
             <a:endParaRPr lang="en-US" altLang="ko-KR" sz="3600" dirty="0">
               <a:latin typeface="나눔고딕" panose="020D0604000000000000" pitchFamily="50" charset="-127"/>
@@ -8983,17 +9002,34 @@
             </a:r>
             <a:r>
               <a:rPr lang="en-US" altLang="ko-KR" sz="3600" dirty="0">
+                <a:solidFill>
+                  <a:schemeClr val="accent6">
+                    <a:lumMod val="75000"/>
+                  </a:schemeClr>
+                </a:solidFill>
                 <a:latin typeface="나눔고딕" panose="020D0604000000000000" pitchFamily="50" charset="-127"/>
                 <a:ea typeface="나눔고딕" panose="020D0604000000000000" pitchFamily="50" charset="-127"/>
               </a:rPr>
               <a:t>7</a:t>
+            </a:r>
+            <a:r>
+              <a:rPr lang="ko-KR" altLang="en-US" sz="3600" dirty="0">
+                <a:solidFill>
+                  <a:schemeClr val="accent6">
+                    <a:lumMod val="75000"/>
+                  </a:schemeClr>
+                </a:solidFill>
+                <a:latin typeface="나눔고딕" panose="020D0604000000000000" pitchFamily="50" charset="-127"/>
+                <a:ea typeface="나눔고딕" panose="020D0604000000000000" pitchFamily="50" charset="-127"/>
+              </a:rPr>
+              <a:t>만원 </a:t>
             </a:r>
             <a:r>
               <a:rPr lang="ko-KR" altLang="en-US" sz="3600" dirty="0">
                 <a:latin typeface="나눔고딕" panose="020D0604000000000000" pitchFamily="50" charset="-127"/>
                 <a:ea typeface="나눔고딕" panose="020D0604000000000000" pitchFamily="50" charset="-127"/>
               </a:rPr>
-              <a:t>만원 이상이면</a:t>
+              <a:t>이상이면</a:t>
             </a:r>
             <a:endParaRPr lang="en-US" altLang="ko-KR" sz="3600" dirty="0">
               <a:latin typeface="나눔고딕" panose="020D0604000000000000" pitchFamily="50" charset="-127"/>
@@ -9011,6 +9047,11 @@
             </a:r>
             <a:r>
               <a:rPr lang="ko-KR" altLang="en-US" sz="3600" dirty="0">
+                <a:solidFill>
+                  <a:schemeClr val="accent6">
+                    <a:lumMod val="75000"/>
+                  </a:schemeClr>
+                </a:solidFill>
                 <a:latin typeface="나눔고딕" panose="020D0604000000000000" pitchFamily="50" charset="-127"/>
                 <a:ea typeface="나눔고딕" panose="020D0604000000000000" pitchFamily="50" charset="-127"/>
               </a:rPr>
@@ -9060,6 +9101,11 @@
             </a:r>
             <a:r>
               <a:rPr lang="en-US" altLang="ko-KR" sz="3600" dirty="0">
+                <a:solidFill>
+                  <a:schemeClr val="accent6">
+                    <a:lumMod val="75000"/>
+                  </a:schemeClr>
+                </a:solidFill>
                 <a:latin typeface="나눔고딕" panose="020D0604000000000000" pitchFamily="50" charset="-127"/>
                 <a:ea typeface="나눔고딕" panose="020D0604000000000000" pitchFamily="50" charset="-127"/>
               </a:rPr>
@@ -9067,41 +9113,66 @@
             </a:r>
             <a:r>
               <a:rPr lang="ko-KR" altLang="en-US" sz="3600" dirty="0">
+                <a:solidFill>
+                  <a:schemeClr val="accent6">
+                    <a:lumMod val="75000"/>
+                  </a:schemeClr>
+                </a:solidFill>
                 <a:latin typeface="나눔고딕" panose="020D0604000000000000" pitchFamily="50" charset="-127"/>
                 <a:ea typeface="나눔고딕" panose="020D0604000000000000" pitchFamily="50" charset="-127"/>
               </a:rPr>
               <a:t>만원이상 </a:t>
             </a:r>
+            <a:r>
+              <a:rPr lang="en-US" altLang="ko-KR" sz="3600" dirty="0">
+                <a:solidFill>
+                  <a:schemeClr val="accent6">
+                    <a:lumMod val="75000"/>
+                  </a:schemeClr>
+                </a:solidFill>
+                <a:latin typeface="나눔고딕" panose="020D0604000000000000" pitchFamily="50" charset="-127"/>
+                <a:ea typeface="나눔고딕" panose="020D0604000000000000" pitchFamily="50" charset="-127"/>
+              </a:rPr>
+              <a:t>7</a:t>
+            </a:r>
+            <a:r>
+              <a:rPr lang="ko-KR" altLang="en-US" sz="3600" dirty="0">
+                <a:solidFill>
+                  <a:schemeClr val="accent6">
+                    <a:lumMod val="75000"/>
+                  </a:schemeClr>
+                </a:solidFill>
+                <a:latin typeface="나눔고딕" panose="020D0604000000000000" pitchFamily="50" charset="-127"/>
+                <a:ea typeface="나눔고딕" panose="020D0604000000000000" pitchFamily="50" charset="-127"/>
+              </a:rPr>
+              <a:t>만원미만이면</a:t>
+            </a:r>
+            <a:endParaRPr lang="en-US" altLang="ko-KR" sz="3600" dirty="0">
+              <a:solidFill>
+                <a:schemeClr val="accent6">
+                  <a:lumMod val="75000"/>
+                </a:schemeClr>
+              </a:solidFill>
+              <a:latin typeface="나눔고딕" panose="020D0604000000000000" pitchFamily="50" charset="-127"/>
+              <a:ea typeface="나눔고딕" panose="020D0604000000000000" pitchFamily="50" charset="-127"/>
+            </a:endParaRPr>
+          </a:p>
+          <a:p>
+            <a:pPr algn="l"/>
             <a:r>
               <a:rPr lang="en-US" altLang="ko-KR" sz="3600" dirty="0">
                 <a:latin typeface="나눔고딕" panose="020D0604000000000000" pitchFamily="50" charset="-127"/>
                 <a:ea typeface="나눔고딕" panose="020D0604000000000000" pitchFamily="50" charset="-127"/>
               </a:rPr>
-              <a:t>7</a:t>
+              <a:t>-&gt;"</a:t>
             </a:r>
             <a:r>
               <a:rPr lang="ko-KR" altLang="en-US" sz="3600" dirty="0">
-                <a:latin typeface="나눔고딕" panose="020D0604000000000000" pitchFamily="50" charset="-127"/>
-                <a:ea typeface="나눔고딕" panose="020D0604000000000000" pitchFamily="50" charset="-127"/>
-              </a:rPr>
-              <a:t>만원미만이면</a:t>
-            </a:r>
-            <a:endParaRPr lang="en-US" altLang="ko-KR" sz="3600" dirty="0">
-              <a:latin typeface="나눔고딕" panose="020D0604000000000000" pitchFamily="50" charset="-127"/>
-              <a:ea typeface="나눔고딕" panose="020D0604000000000000" pitchFamily="50" charset="-127"/>
-            </a:endParaRPr>
-          </a:p>
-          <a:p>
-            <a:pPr algn="l"/>
-            <a:r>
-              <a:rPr lang="en-US" altLang="ko-KR" sz="3600" dirty="0">
-                <a:latin typeface="나눔고딕" panose="020D0604000000000000" pitchFamily="50" charset="-127"/>
-                <a:ea typeface="나눔고딕" panose="020D0604000000000000" pitchFamily="50" charset="-127"/>
-              </a:rPr>
-              <a:t>-&gt;"</a:t>
-            </a:r>
-            <a:r>
-              <a:rPr lang="ko-KR" altLang="en-US" sz="3600" dirty="0">
+                <a:solidFill>
+                  <a:schemeClr val="accent6">
+                    <a:lumMod val="75000"/>
+                  </a:schemeClr>
+                </a:solidFill>
                 <a:latin typeface="나눔고딕" panose="020D0604000000000000" pitchFamily="50" charset="-127"/>
                 <a:ea typeface="나눔고딕" panose="020D0604000000000000" pitchFamily="50" charset="-127"/>
               </a:rPr>
@@ -9151,6 +9222,11 @@
             </a:r>
             <a:r>
               <a:rPr lang="en-US" altLang="ko-KR" sz="3600" dirty="0">
+                <a:solidFill>
+                  <a:schemeClr val="accent6">
+                    <a:lumMod val="75000"/>
+                  </a:schemeClr>
+                </a:solidFill>
                 <a:latin typeface="나눔고딕" panose="020D0604000000000000" pitchFamily="50" charset="-127"/>
                 <a:ea typeface="나눔고딕" panose="020D0604000000000000" pitchFamily="50" charset="-127"/>
               </a:rPr>
@@ -9158,12 +9234,22 @@
             </a:r>
             <a:r>
               <a:rPr lang="ko-KR" altLang="en-US" sz="3600" dirty="0">
+                <a:solidFill>
+                  <a:schemeClr val="accent6">
+                    <a:lumMod val="75000"/>
+                  </a:schemeClr>
+                </a:solidFill>
                 <a:latin typeface="나눔고딕" panose="020D0604000000000000" pitchFamily="50" charset="-127"/>
                 <a:ea typeface="나눔고딕" panose="020D0604000000000000" pitchFamily="50" charset="-127"/>
               </a:rPr>
               <a:t>만원 미만이면</a:t>
             </a:r>
             <a:endParaRPr lang="en-US" altLang="ko-KR" sz="3600" dirty="0">
+              <a:solidFill>
+                <a:schemeClr val="accent6">
+                  <a:lumMod val="75000"/>
+                </a:schemeClr>
+              </a:solidFill>
               <a:latin typeface="나눔고딕" panose="020D0604000000000000" pitchFamily="50" charset="-127"/>
               <a:ea typeface="나눔고딕" panose="020D0604000000000000" pitchFamily="50" charset="-127"/>
             </a:endParaRPr>
@@ -9179,6 +9265,11 @@
             </a:r>
             <a:r>
               <a:rPr lang="ko-KR" altLang="en-US" sz="3600" dirty="0">
+                <a:solidFill>
+                  <a:schemeClr val="accent6">
+                    <a:lumMod val="75000"/>
+                  </a:schemeClr>
+                </a:solidFill>
                 <a:latin typeface="나눔고딕" panose="020D0604000000000000" pitchFamily="50" charset="-127"/>
                 <a:ea typeface="나눔고딕" panose="020D0604000000000000" pitchFamily="50" charset="-127"/>
               </a:rPr>
@@ -9621,6 +9712,11 @@
             </a:r>
             <a:r>
               <a:rPr lang="en-US" altLang="ko-KR" sz="2000" dirty="0">
+                <a:solidFill>
+                  <a:schemeClr val="accent6">
+                    <a:lumMod val="75000"/>
+                  </a:schemeClr>
+                </a:solidFill>
                 <a:latin typeface="나눔고딕" panose="020D0604000000000000" pitchFamily="50" charset="-127"/>
                 <a:ea typeface="나눔고딕" panose="020D0604000000000000" pitchFamily="50" charset="-127"/>
               </a:rPr>
@@ -9628,6 +9724,11 @@
             </a:r>
             <a:r>
               <a:rPr lang="ko-KR" altLang="en-US" sz="2000" dirty="0">
+                <a:solidFill>
+                  <a:schemeClr val="accent6">
+                    <a:lumMod val="75000"/>
+                  </a:schemeClr>
+                </a:solidFill>
                 <a:latin typeface="나눔고딕" panose="020D0604000000000000" pitchFamily="50" charset="-127"/>
                 <a:ea typeface="나눔고딕" panose="020D0604000000000000" pitchFamily="50" charset="-127"/>
               </a:rPr>
@@ -9635,6 +9736,11 @@
             </a:r>
             <a:r>
               <a:rPr lang="ko-KR" altLang="en-US" sz="2000" dirty="0" err="1">
+                <a:solidFill>
+                  <a:schemeClr val="accent6">
+                    <a:lumMod val="75000"/>
+                  </a:schemeClr>
+                </a:solidFill>
                 <a:latin typeface="나눔고딕" panose="020D0604000000000000" pitchFamily="50" charset="-127"/>
                 <a:ea typeface="나눔고딕" panose="020D0604000000000000" pitchFamily="50" charset="-127"/>
               </a:rPr>
@@ -9642,6 +9748,11 @@
             </a:r>
             <a:r>
               <a:rPr lang="ko-KR" altLang="en-US" sz="2000" dirty="0">
+                <a:solidFill>
+                  <a:schemeClr val="accent6">
+                    <a:lumMod val="75000"/>
+                  </a:schemeClr>
+                </a:solidFill>
                 <a:latin typeface="나눔고딕" panose="020D0604000000000000" pitchFamily="50" charset="-127"/>
                 <a:ea typeface="나눔고딕" panose="020D0604000000000000" pitchFamily="50" charset="-127"/>
               </a:rPr>
@@ -9649,6 +9760,11 @@
             </a:r>
             <a:r>
               <a:rPr lang="en-US" altLang="ko-KR" sz="2000" dirty="0">
+                <a:solidFill>
+                  <a:schemeClr val="accent6">
+                    <a:lumMod val="75000"/>
+                  </a:schemeClr>
+                </a:solidFill>
                 <a:latin typeface="나눔고딕" panose="020D0604000000000000" pitchFamily="50" charset="-127"/>
                 <a:ea typeface="나눔고딕" panose="020D0604000000000000" pitchFamily="50" charset="-127"/>
               </a:rPr>
@@ -9680,6 +9796,11 @@
             </a:r>
             <a:r>
               <a:rPr lang="en-US" altLang="ko-KR" sz="2000" dirty="0">
+                <a:solidFill>
+                  <a:schemeClr val="accent6">
+                    <a:lumMod val="75000"/>
+                  </a:schemeClr>
+                </a:solidFill>
                 <a:latin typeface="나눔고딕" panose="020D0604000000000000" pitchFamily="50" charset="-127"/>
                 <a:ea typeface="나눔고딕" panose="020D0604000000000000" pitchFamily="50" charset="-127"/>
               </a:rPr>
@@ -9687,6 +9808,11 @@
             </a:r>
             <a:r>
               <a:rPr lang="ko-KR" altLang="en-US" sz="2000" dirty="0">
+                <a:solidFill>
+                  <a:schemeClr val="accent6">
+                    <a:lumMod val="75000"/>
+                  </a:schemeClr>
+                </a:solidFill>
                 <a:latin typeface="나눔고딕" panose="020D0604000000000000" pitchFamily="50" charset="-127"/>
                 <a:ea typeface="나눔고딕" panose="020D0604000000000000" pitchFamily="50" charset="-127"/>
               </a:rPr>
@@ -9694,6 +9820,11 @@
             </a:r>
             <a:r>
               <a:rPr lang="en-US" altLang="ko-KR" sz="2000" dirty="0">
+                <a:solidFill>
+                  <a:schemeClr val="accent6">
+                    <a:lumMod val="75000"/>
+                  </a:schemeClr>
+                </a:solidFill>
                 <a:latin typeface="나눔고딕" panose="020D0604000000000000" pitchFamily="50" charset="-127"/>
                 <a:ea typeface="나눔고딕" panose="020D0604000000000000" pitchFamily="50" charset="-127"/>
               </a:rPr>
@@ -9701,6 +9832,11 @@
             </a:r>
             <a:r>
               <a:rPr lang="ko-KR" altLang="en-US" sz="2000" dirty="0">
+                <a:solidFill>
+                  <a:schemeClr val="accent6">
+                    <a:lumMod val="75000"/>
+                  </a:schemeClr>
+                </a:solidFill>
                 <a:latin typeface="나눔고딕" panose="020D0604000000000000" pitchFamily="50" charset="-127"/>
                 <a:ea typeface="나눔고딕" panose="020D0604000000000000" pitchFamily="50" charset="-127"/>
               </a:rPr>
@@ -9708,6 +9844,11 @@
             </a:r>
             <a:r>
               <a:rPr lang="en-US" altLang="ko-KR" sz="2000" dirty="0">
+                <a:solidFill>
+                  <a:schemeClr val="accent6">
+                    <a:lumMod val="75000"/>
+                  </a:schemeClr>
+                </a:solidFill>
                 <a:latin typeface="나눔고딕" panose="020D0604000000000000" pitchFamily="50" charset="-127"/>
                 <a:ea typeface="나눔고딕" panose="020D0604000000000000" pitchFamily="50" charset="-127"/>
               </a:rPr>
@@ -9715,6 +9856,11 @@
             </a:r>
             <a:r>
               <a:rPr lang="ko-KR" altLang="en-US" sz="2000" dirty="0" err="1">
+                <a:solidFill>
+                  <a:schemeClr val="accent6">
+                    <a:lumMod val="75000"/>
+                  </a:schemeClr>
+                </a:solidFill>
                 <a:latin typeface="나눔고딕" panose="020D0604000000000000" pitchFamily="50" charset="-127"/>
                 <a:ea typeface="나눔고딕" panose="020D0604000000000000" pitchFamily="50" charset="-127"/>
               </a:rPr>
@@ -9722,6 +9868,11 @@
             </a:r>
             <a:r>
               <a:rPr lang="ko-KR" altLang="en-US" sz="2000" dirty="0">
+                <a:solidFill>
+                  <a:schemeClr val="accent6">
+                    <a:lumMod val="75000"/>
+                  </a:schemeClr>
+                </a:solidFill>
                 <a:latin typeface="나눔고딕" panose="020D0604000000000000" pitchFamily="50" charset="-127"/>
                 <a:ea typeface="나눔고딕" panose="020D0604000000000000" pitchFamily="50" charset="-127"/>
               </a:rPr>
@@ -9729,6 +9880,11 @@
             </a:r>
             <a:r>
               <a:rPr lang="en-US" altLang="ko-KR" sz="2000" dirty="0">
+                <a:solidFill>
+                  <a:schemeClr val="accent6">
+                    <a:lumMod val="75000"/>
+                  </a:schemeClr>
+                </a:solidFill>
                 <a:latin typeface="나눔고딕" panose="020D0604000000000000" pitchFamily="50" charset="-127"/>
                 <a:ea typeface="나눔고딕" panose="020D0604000000000000" pitchFamily="50" charset="-127"/>
               </a:rPr>
@@ -9760,6 +9916,11 @@
             </a:r>
             <a:r>
               <a:rPr lang="en-US" altLang="ko-KR" sz="2000" dirty="0">
+                <a:solidFill>
+                  <a:schemeClr val="accent6">
+                    <a:lumMod val="75000"/>
+                  </a:schemeClr>
+                </a:solidFill>
                 <a:latin typeface="나눔고딕" panose="020D0604000000000000" pitchFamily="50" charset="-127"/>
                 <a:ea typeface="나눔고딕" panose="020D0604000000000000" pitchFamily="50" charset="-127"/>
               </a:rPr>
@@ -9767,6 +9928,11 @@
             </a:r>
             <a:r>
               <a:rPr lang="ko-KR" altLang="en-US" sz="2000" dirty="0">
+                <a:solidFill>
+                  <a:schemeClr val="accent6">
+                    <a:lumMod val="75000"/>
+                  </a:schemeClr>
+                </a:solidFill>
                 <a:latin typeface="나눔고딕" panose="020D0604000000000000" pitchFamily="50" charset="-127"/>
                 <a:ea typeface="나눔고딕" panose="020D0604000000000000" pitchFamily="50" charset="-127"/>
               </a:rPr>
@@ -9774,6 +9940,11 @@
             </a:r>
             <a:r>
               <a:rPr lang="en-US" altLang="ko-KR" sz="2000" dirty="0">
+                <a:solidFill>
+                  <a:schemeClr val="accent6">
+                    <a:lumMod val="75000"/>
+                  </a:schemeClr>
+                </a:solidFill>
                 <a:latin typeface="나눔고딕" panose="020D0604000000000000" pitchFamily="50" charset="-127"/>
                 <a:ea typeface="나눔고딕" panose="020D0604000000000000" pitchFamily="50" charset="-127"/>
               </a:rPr>
@@ -9781,6 +9952,11 @@
             </a:r>
             <a:r>
               <a:rPr lang="ko-KR" altLang="en-US" sz="2000" dirty="0" err="1">
+                <a:solidFill>
+                  <a:schemeClr val="accent6">
+                    <a:lumMod val="75000"/>
+                  </a:schemeClr>
+                </a:solidFill>
                 <a:latin typeface="나눔고딕" panose="020D0604000000000000" pitchFamily="50" charset="-127"/>
                 <a:ea typeface="나눔고딕" panose="020D0604000000000000" pitchFamily="50" charset="-127"/>
               </a:rPr>
@@ -9788,6 +9964,11 @@
             </a:r>
             <a:r>
               <a:rPr lang="ko-KR" altLang="en-US" sz="2000" dirty="0">
+                <a:solidFill>
+                  <a:schemeClr val="accent6">
+                    <a:lumMod val="75000"/>
+                  </a:schemeClr>
+                </a:solidFill>
                 <a:latin typeface="나눔고딕" panose="020D0604000000000000" pitchFamily="50" charset="-127"/>
                 <a:ea typeface="나눔고딕" panose="020D0604000000000000" pitchFamily="50" charset="-127"/>
               </a:rPr>
@@ -9795,6 +9976,11 @@
             </a:r>
             <a:r>
               <a:rPr lang="en-US" altLang="ko-KR" sz="2000" dirty="0">
+                <a:solidFill>
+                  <a:schemeClr val="accent6">
+                    <a:lumMod val="75000"/>
+                  </a:schemeClr>
+                </a:solidFill>
                 <a:latin typeface="나눔고딕" panose="020D0604000000000000" pitchFamily="50" charset="-127"/>
                 <a:ea typeface="나눔고딕" panose="020D0604000000000000" pitchFamily="50" charset="-127"/>
               </a:rPr>
